--- a/OOAD_期中報告.pptx
+++ b/OOAD_期中報告.pptx
@@ -114,6 +114,11 @@
       </a:defRPr>
     </a:lvl9pPr>
   </p:defaultTextStyle>
+  <p:extLst>
+    <p:ext uri="{EFAFB233-063F-42B5-8137-9DF3F51BA10A}">
+      <p15:sldGuideLst xmlns:p15="http://schemas.microsoft.com/office/powerpoint/2012/main"/>
+    </p:ext>
+  </p:extLst>
 </p:presentation>
 </file>
 
@@ -248,7 +253,7 @@
           <a:p>
             <a:fld id="{60F3E04B-A196-4447-B525-B8EF4C51E9A2}" type="datetimeFigureOut">
               <a:rPr lang="zh-TW" altLang="en-US" smtClean="0"/>
-              <a:t>2018/5/9</a:t>
+              <a:t>2018/5/10</a:t>
             </a:fld>
             <a:endParaRPr lang="zh-TW" altLang="en-US"/>
           </a:p>
@@ -418,7 +423,7 @@
           <a:p>
             <a:fld id="{60F3E04B-A196-4447-B525-B8EF4C51E9A2}" type="datetimeFigureOut">
               <a:rPr lang="zh-TW" altLang="en-US" smtClean="0"/>
-              <a:t>2018/5/9</a:t>
+              <a:t>2018/5/10</a:t>
             </a:fld>
             <a:endParaRPr lang="zh-TW" altLang="en-US"/>
           </a:p>
@@ -598,7 +603,7 @@
           <a:p>
             <a:fld id="{60F3E04B-A196-4447-B525-B8EF4C51E9A2}" type="datetimeFigureOut">
               <a:rPr lang="zh-TW" altLang="en-US" smtClean="0"/>
-              <a:t>2018/5/9</a:t>
+              <a:t>2018/5/10</a:t>
             </a:fld>
             <a:endParaRPr lang="zh-TW" altLang="en-US"/>
           </a:p>
@@ -768,7 +773,7 @@
           <a:p>
             <a:fld id="{60F3E04B-A196-4447-B525-B8EF4C51E9A2}" type="datetimeFigureOut">
               <a:rPr lang="zh-TW" altLang="en-US" smtClean="0"/>
-              <a:t>2018/5/9</a:t>
+              <a:t>2018/5/10</a:t>
             </a:fld>
             <a:endParaRPr lang="zh-TW" altLang="en-US"/>
           </a:p>
@@ -1021,7 +1026,7 @@
           <a:p>
             <a:fld id="{60F3E04B-A196-4447-B525-B8EF4C51E9A2}" type="datetimeFigureOut">
               <a:rPr lang="zh-TW" altLang="en-US" smtClean="0"/>
-              <a:t>2018/5/9</a:t>
+              <a:t>2018/5/10</a:t>
             </a:fld>
             <a:endParaRPr lang="zh-TW" altLang="en-US"/>
           </a:p>
@@ -1253,7 +1258,7 @@
           <a:p>
             <a:fld id="{60F3E04B-A196-4447-B525-B8EF4C51E9A2}" type="datetimeFigureOut">
               <a:rPr lang="zh-TW" altLang="en-US" smtClean="0"/>
-              <a:t>2018/5/9</a:t>
+              <a:t>2018/5/10</a:t>
             </a:fld>
             <a:endParaRPr lang="zh-TW" altLang="en-US"/>
           </a:p>
@@ -1620,7 +1625,7 @@
           <a:p>
             <a:fld id="{60F3E04B-A196-4447-B525-B8EF4C51E9A2}" type="datetimeFigureOut">
               <a:rPr lang="zh-TW" altLang="en-US" smtClean="0"/>
-              <a:t>2018/5/9</a:t>
+              <a:t>2018/5/10</a:t>
             </a:fld>
             <a:endParaRPr lang="zh-TW" altLang="en-US"/>
           </a:p>
@@ -1738,7 +1743,7 @@
           <a:p>
             <a:fld id="{60F3E04B-A196-4447-B525-B8EF4C51E9A2}" type="datetimeFigureOut">
               <a:rPr lang="zh-TW" altLang="en-US" smtClean="0"/>
-              <a:t>2018/5/9</a:t>
+              <a:t>2018/5/10</a:t>
             </a:fld>
             <a:endParaRPr lang="zh-TW" altLang="en-US"/>
           </a:p>
@@ -1833,7 +1838,7 @@
           <a:p>
             <a:fld id="{60F3E04B-A196-4447-B525-B8EF4C51E9A2}" type="datetimeFigureOut">
               <a:rPr lang="zh-TW" altLang="en-US" smtClean="0"/>
-              <a:t>2018/5/9</a:t>
+              <a:t>2018/5/10</a:t>
             </a:fld>
             <a:endParaRPr lang="zh-TW" altLang="en-US"/>
           </a:p>
@@ -2110,7 +2115,7 @@
           <a:p>
             <a:fld id="{60F3E04B-A196-4447-B525-B8EF4C51E9A2}" type="datetimeFigureOut">
               <a:rPr lang="zh-TW" altLang="en-US" smtClean="0"/>
-              <a:t>2018/5/9</a:t>
+              <a:t>2018/5/10</a:t>
             </a:fld>
             <a:endParaRPr lang="zh-TW" altLang="en-US"/>
           </a:p>
@@ -2363,7 +2368,7 @@
           <a:p>
             <a:fld id="{60F3E04B-A196-4447-B525-B8EF4C51E9A2}" type="datetimeFigureOut">
               <a:rPr lang="zh-TW" altLang="en-US" smtClean="0"/>
-              <a:t>2018/5/9</a:t>
+              <a:t>2018/5/10</a:t>
             </a:fld>
             <a:endParaRPr lang="zh-TW" altLang="en-US"/>
           </a:p>
@@ -2576,7 +2581,7 @@
           <a:p>
             <a:fld id="{60F3E04B-A196-4447-B525-B8EF4C51E9A2}" type="datetimeFigureOut">
               <a:rPr lang="zh-TW" altLang="en-US" smtClean="0"/>
-              <a:t>2018/5/9</a:t>
+              <a:t>2018/5/10</a:t>
             </a:fld>
             <a:endParaRPr lang="zh-TW" altLang="en-US"/>
           </a:p>
@@ -3131,19 +3136,7 @@
                           <a:ea typeface="標楷體" panose="03000509000000000000" pitchFamily="65" charset="-120"/>
                           <a:cs typeface="+mn-cs"/>
                         </a:rPr>
-                        <a:t>鍾承</a:t>
-                      </a:r>
-                      <a:r>
-                        <a:rPr lang="zh-TW" sz="2000" kern="1200" baseline="0" dirty="0" smtClean="0">
-                          <a:solidFill>
-                            <a:schemeClr val="dk1"/>
-                          </a:solidFill>
-                          <a:effectLst/>
-                          <a:latin typeface="Times New Roman" panose="02020603050405020304" pitchFamily="18" charset="0"/>
-                          <a:ea typeface="標楷體" panose="03000509000000000000" pitchFamily="65" charset="-120"/>
-                          <a:cs typeface="+mn-cs"/>
-                        </a:rPr>
-                        <a:t>翰</a:t>
+                        <a:t>鍾承翰</a:t>
                       </a:r>
                       <a:r>
                         <a:rPr lang="en-US" altLang="zh-TW" sz="2000" kern="1200" baseline="0" dirty="0" smtClean="0">
@@ -3740,12 +3733,12 @@
           <a:lstStyle/>
           <a:p>
             <a:r>
-              <a:rPr lang="en-US" altLang="zh-TW" dirty="0" smtClean="0"/>
-              <a:t>	</a:t>
+              <a:rPr lang="zh-TW" altLang="zh-TW" dirty="0" smtClean="0"/>
+              <a:t>在</a:t>
             </a:r>
             <a:r>
               <a:rPr lang="zh-TW" altLang="zh-TW" dirty="0"/>
-              <a:t>在求學過程中，我們往往不知道該如何有效運用時間，而最根本的原因就是不確定將時間花在哪裡，而渾渾噩噩地過著日復一日的生活。因此我們需要有一個軟體能夠幫我們紀錄除了上課時間之外還做了哪些事情，並最後可以用簡單的圖表來呈現讓使用者可以知道時間都花在甚麼事情上，進一步去調整每件事情時間的分配。</a:t>
+              <a:t>求學過程中，我們往往不知道該如何有效運用時間，而最根本的原因就是不確定將時間花在哪裡，而渾渾噩噩地過著日復一日的生活。因此我們需要有一個軟體能夠幫我們紀錄除了上課時間之外還做了哪些事情，並最後可以用簡單的圖表來呈現讓使用者可以知道時間都花在甚麼事情上，進一步去調整每件事情時間的分配。</a:t>
             </a:r>
           </a:p>
           <a:p>
@@ -3929,7 +3922,6 @@
               <a:rPr lang="en-US" altLang="zh-TW" dirty="0" smtClean="0"/>
               <a:t>Demo Use Case </a:t>
             </a:r>
-            <a:endParaRPr lang="en-US" altLang="zh-TW" dirty="0" smtClean="0"/>
           </a:p>
         </p:txBody>
       </p:sp>
@@ -4022,7 +4014,7 @@
             <p:ph idx="1"/>
             <p:extLst>
               <p:ext uri="{D42A27DB-BD31-4B8C-83A1-F6EECF244321}">
-                <p14:modId xmlns:p14="http://schemas.microsoft.com/office/powerpoint/2010/main" val="2565630804"/>
+                <p14:modId xmlns:p14="http://schemas.microsoft.com/office/powerpoint/2010/main" val="1037658694"/>
               </p:ext>
             </p:extLst>
           </p:nvPr>
@@ -4273,7 +4265,7 @@
                     <a:p>
                       <a:r>
                         <a:rPr lang="en-US" altLang="zh-TW" dirty="0" smtClean="0"/>
-                        <a:t>74</a:t>
+                        <a:t>84</a:t>
                       </a:r>
                       <a:endParaRPr lang="zh-TW" altLang="en-US" dirty="0"/>
                     </a:p>
@@ -4308,7 +4300,7 @@
                     <a:p>
                       <a:r>
                         <a:rPr lang="en-US" altLang="zh-TW" dirty="0" smtClean="0"/>
-                        <a:t>88</a:t>
+                        <a:t>98</a:t>
                       </a:r>
                       <a:endParaRPr lang="zh-TW" altLang="en-US" dirty="0"/>
                     </a:p>
@@ -4343,7 +4335,7 @@
                     <a:p>
                       <a:r>
                         <a:rPr lang="en-US" altLang="zh-TW" dirty="0" smtClean="0"/>
-                        <a:t>65</a:t>
+                        <a:t>75</a:t>
                       </a:r>
                       <a:endParaRPr lang="zh-TW" altLang="en-US" dirty="0"/>
                     </a:p>
